--- a/Разбор.pptx
+++ b/Разбор.pptx
@@ -6,6 +6,8 @@
   </p:sldMasterIdLst>
   <p:sldIdLst>
     <p:sldId id="256" r:id="rId2"/>
+    <p:sldId id="257" r:id="rId3"/>
+    <p:sldId id="258" r:id="rId4"/>
   </p:sldIdLst>
   <p:sldSz cx="9144000" cy="6858000" type="screen4x3"/>
   <p:notesSz cx="6858000" cy="9144000"/>
@@ -289,7 +291,7 @@
             <a:fld id="{5B106E36-FD25-4E2D-B0AA-010F637433A0}" type="datetimeFigureOut">
               <a:rPr lang="ru-RU" smtClean="0"/>
               <a:pPr/>
-              <a:t>10.08.2022</a:t>
+              <a:t>04.09.2022</a:t>
             </a:fld>
             <a:endParaRPr lang="ru-RU"/>
           </a:p>
@@ -456,7 +458,7 @@
             <a:fld id="{5B106E36-FD25-4E2D-B0AA-010F637433A0}" type="datetimeFigureOut">
               <a:rPr lang="ru-RU" smtClean="0"/>
               <a:pPr/>
-              <a:t>10.08.2022</a:t>
+              <a:t>04.09.2022</a:t>
             </a:fld>
             <a:endParaRPr lang="ru-RU"/>
           </a:p>
@@ -633,7 +635,7 @@
             <a:fld id="{5B106E36-FD25-4E2D-B0AA-010F637433A0}" type="datetimeFigureOut">
               <a:rPr lang="ru-RU" smtClean="0"/>
               <a:pPr/>
-              <a:t>10.08.2022</a:t>
+              <a:t>04.09.2022</a:t>
             </a:fld>
             <a:endParaRPr lang="ru-RU"/>
           </a:p>
@@ -800,7 +802,7 @@
             <a:fld id="{5B106E36-FD25-4E2D-B0AA-010F637433A0}" type="datetimeFigureOut">
               <a:rPr lang="ru-RU" smtClean="0"/>
               <a:pPr/>
-              <a:t>10.08.2022</a:t>
+              <a:t>04.09.2022</a:t>
             </a:fld>
             <a:endParaRPr lang="ru-RU"/>
           </a:p>
@@ -1043,7 +1045,7 @@
             <a:fld id="{5B106E36-FD25-4E2D-B0AA-010F637433A0}" type="datetimeFigureOut">
               <a:rPr lang="ru-RU" smtClean="0"/>
               <a:pPr/>
-              <a:t>10.08.2022</a:t>
+              <a:t>04.09.2022</a:t>
             </a:fld>
             <a:endParaRPr lang="ru-RU"/>
           </a:p>
@@ -1328,7 +1330,7 @@
             <a:fld id="{5B106E36-FD25-4E2D-B0AA-010F637433A0}" type="datetimeFigureOut">
               <a:rPr lang="ru-RU" smtClean="0"/>
               <a:pPr/>
-              <a:t>10.08.2022</a:t>
+              <a:t>04.09.2022</a:t>
             </a:fld>
             <a:endParaRPr lang="ru-RU"/>
           </a:p>
@@ -1747,7 +1749,7 @@
             <a:fld id="{5B106E36-FD25-4E2D-B0AA-010F637433A0}" type="datetimeFigureOut">
               <a:rPr lang="ru-RU" smtClean="0"/>
               <a:pPr/>
-              <a:t>10.08.2022</a:t>
+              <a:t>04.09.2022</a:t>
             </a:fld>
             <a:endParaRPr lang="ru-RU"/>
           </a:p>
@@ -1862,7 +1864,7 @@
             <a:fld id="{5B106E36-FD25-4E2D-B0AA-010F637433A0}" type="datetimeFigureOut">
               <a:rPr lang="ru-RU" smtClean="0"/>
               <a:pPr/>
-              <a:t>10.08.2022</a:t>
+              <a:t>04.09.2022</a:t>
             </a:fld>
             <a:endParaRPr lang="ru-RU"/>
           </a:p>
@@ -1954,7 +1956,7 @@
             <a:fld id="{5B106E36-FD25-4E2D-B0AA-010F637433A0}" type="datetimeFigureOut">
               <a:rPr lang="ru-RU" smtClean="0"/>
               <a:pPr/>
-              <a:t>10.08.2022</a:t>
+              <a:t>04.09.2022</a:t>
             </a:fld>
             <a:endParaRPr lang="ru-RU"/>
           </a:p>
@@ -2228,7 +2230,7 @@
             <a:fld id="{5B106E36-FD25-4E2D-B0AA-010F637433A0}" type="datetimeFigureOut">
               <a:rPr lang="ru-RU" smtClean="0"/>
               <a:pPr/>
-              <a:t>10.08.2022</a:t>
+              <a:t>04.09.2022</a:t>
             </a:fld>
             <a:endParaRPr lang="ru-RU"/>
           </a:p>
@@ -2478,7 +2480,7 @@
             <a:fld id="{5B106E36-FD25-4E2D-B0AA-010F637433A0}" type="datetimeFigureOut">
               <a:rPr lang="ru-RU" smtClean="0"/>
               <a:pPr/>
-              <a:t>10.08.2022</a:t>
+              <a:t>04.09.2022</a:t>
             </a:fld>
             <a:endParaRPr lang="ru-RU"/>
           </a:p>
@@ -2688,7 +2690,7 @@
             <a:fld id="{5B106E36-FD25-4E2D-B0AA-010F637433A0}" type="datetimeFigureOut">
               <a:rPr lang="ru-RU" smtClean="0"/>
               <a:pPr/>
-              <a:t>10.08.2022</a:t>
+              <a:t>04.09.2022</a:t>
             </a:fld>
             <a:endParaRPr lang="ru-RU"/>
           </a:p>
@@ -4073,11 +4075,7 @@
           <a:p>
             <a:r>
               <a:rPr lang="en-US" sz="1400" dirty="0" smtClean="0"/>
-              <a:t>v</a:t>
-            </a:r>
-            <a:r>
-              <a:rPr lang="en-US" sz="1400" dirty="0" smtClean="0"/>
-              <a:t>Layer1</a:t>
+              <a:t>vLayer1</a:t>
             </a:r>
             <a:endParaRPr lang="ru-RU" sz="1400" dirty="0"/>
           </a:p>
@@ -4163,11 +4161,7 @@
           <a:p>
             <a:r>
               <a:rPr lang="en-US" sz="1400" dirty="0" smtClean="0"/>
-              <a:t>v</a:t>
-            </a:r>
-            <a:r>
-              <a:rPr lang="en-US" sz="1400" dirty="0" smtClean="0"/>
-              <a:t>Layer3</a:t>
+              <a:t>vLayer3</a:t>
             </a:r>
             <a:endParaRPr lang="ru-RU" sz="1400" dirty="0"/>
           </a:p>
@@ -4373,6 +4367,926 @@
           </a:fontRef>
         </p:style>
       </p:cxnSp>
+    </p:spTree>
+  </p:cSld>
+  <p:clrMapOvr>
+    <a:masterClrMapping/>
+  </p:clrMapOvr>
+</p:sld>
+</file>
+
+<file path=ppt/slides/slide2.xml><?xml version="1.0" encoding="utf-8"?>
+<p:sld xmlns:a="http://schemas.openxmlformats.org/drawingml/2006/main" xmlns:r="http://schemas.openxmlformats.org/officeDocument/2006/relationships" xmlns:p="http://schemas.openxmlformats.org/presentationml/2006/main">
+  <p:cSld>
+    <p:spTree>
+      <p:nvGrpSpPr>
+        <p:cNvPr id="1" name=""/>
+        <p:cNvGrpSpPr/>
+        <p:nvPr/>
+      </p:nvGrpSpPr>
+      <p:grpSpPr>
+        <a:xfrm>
+          <a:off x="0" y="0"/>
+          <a:ext cx="0" cy="0"/>
+          <a:chOff x="0" y="0"/>
+          <a:chExt cx="0" cy="0"/>
+        </a:xfrm>
+      </p:grpSpPr>
+      <p:pic>
+        <p:nvPicPr>
+          <p:cNvPr id="1026" name="Picture 2" descr="C:\Users\nurba\source\repos\CubeRubik\20220904_102213.jpg"/>
+          <p:cNvPicPr>
+            <a:picLocks noChangeAspect="1" noChangeArrowheads="1"/>
+          </p:cNvPicPr>
+          <p:nvPr/>
+        </p:nvPicPr>
+        <p:blipFill>
+          <a:blip r:embed="rId2"/>
+          <a:srcRect/>
+          <a:stretch>
+            <a:fillRect/>
+          </a:stretch>
+        </p:blipFill>
+        <p:spPr bwMode="auto">
+          <a:xfrm>
+            <a:off x="1714480" y="1285860"/>
+            <a:ext cx="3027344" cy="3322632"/>
+          </a:xfrm>
+          <a:prstGeom prst="rect">
+            <a:avLst/>
+          </a:prstGeom>
+          <a:noFill/>
+        </p:spPr>
+      </p:pic>
+      <p:cxnSp>
+        <p:nvCxnSpPr>
+          <p:cNvPr id="6" name="Прямая со стрелкой 5"/>
+          <p:cNvCxnSpPr/>
+          <p:nvPr/>
+        </p:nvCxnSpPr>
+        <p:spPr>
+          <a:xfrm rot="16200000" flipV="1">
+            <a:off x="3393273" y="4393413"/>
+            <a:ext cx="1571636" cy="1071570"/>
+          </a:xfrm>
+          <a:prstGeom prst="straightConnector1">
+            <a:avLst/>
+          </a:prstGeom>
+          <a:ln>
+            <a:tailEnd type="arrow"/>
+          </a:ln>
+        </p:spPr>
+        <p:style>
+          <a:lnRef idx="1">
+            <a:schemeClr val="accent1"/>
+          </a:lnRef>
+          <a:fillRef idx="0">
+            <a:schemeClr val="accent1"/>
+          </a:fillRef>
+          <a:effectRef idx="0">
+            <a:schemeClr val="accent1"/>
+          </a:effectRef>
+          <a:fontRef idx="minor">
+            <a:schemeClr val="tx1"/>
+          </a:fontRef>
+        </p:style>
+      </p:cxnSp>
+      <p:sp>
+        <p:nvSpPr>
+          <p:cNvPr id="7" name="TextBox 6"/>
+          <p:cNvSpPr txBox="1"/>
+          <p:nvPr/>
+        </p:nvSpPr>
+        <p:spPr>
+          <a:xfrm>
+            <a:off x="4929190" y="5786454"/>
+            <a:ext cx="1164742" cy="369332"/>
+          </a:xfrm>
+          <a:prstGeom prst="rect">
+            <a:avLst/>
+          </a:prstGeom>
+          <a:noFill/>
+        </p:spPr>
+        <p:txBody>
+          <a:bodyPr wrap="none" rtlCol="0">
+            <a:spAutoFit/>
+          </a:bodyPr>
+          <a:lstStyle/>
+          <a:p>
+            <a:r>
+              <a:rPr lang="ru-RU" dirty="0" smtClean="0"/>
+              <a:t>Сторона 1</a:t>
+            </a:r>
+            <a:endParaRPr lang="ru-RU" dirty="0"/>
+          </a:p>
+        </p:txBody>
+      </p:sp>
+      <p:sp>
+        <p:nvSpPr>
+          <p:cNvPr id="8" name="TextBox 7"/>
+          <p:cNvSpPr txBox="1"/>
+          <p:nvPr/>
+        </p:nvSpPr>
+        <p:spPr>
+          <a:xfrm>
+            <a:off x="4786314" y="285728"/>
+            <a:ext cx="1164742" cy="369332"/>
+          </a:xfrm>
+          <a:prstGeom prst="rect">
+            <a:avLst/>
+          </a:prstGeom>
+          <a:noFill/>
+        </p:spPr>
+        <p:txBody>
+          <a:bodyPr wrap="none" rtlCol="0">
+            <a:spAutoFit/>
+          </a:bodyPr>
+          <a:lstStyle/>
+          <a:p>
+            <a:r>
+              <a:rPr lang="ru-RU" dirty="0" smtClean="0"/>
+              <a:t>Сторона 2</a:t>
+            </a:r>
+            <a:endParaRPr lang="ru-RU" dirty="0"/>
+          </a:p>
+        </p:txBody>
+      </p:sp>
+      <p:sp>
+        <p:nvSpPr>
+          <p:cNvPr id="9" name="TextBox 8"/>
+          <p:cNvSpPr txBox="1"/>
+          <p:nvPr/>
+        </p:nvSpPr>
+        <p:spPr>
+          <a:xfrm>
+            <a:off x="6286512" y="3571876"/>
+            <a:ext cx="1164742" cy="369332"/>
+          </a:xfrm>
+          <a:prstGeom prst="rect">
+            <a:avLst/>
+          </a:prstGeom>
+          <a:noFill/>
+        </p:spPr>
+        <p:txBody>
+          <a:bodyPr wrap="none" rtlCol="0">
+            <a:spAutoFit/>
+          </a:bodyPr>
+          <a:lstStyle/>
+          <a:p>
+            <a:r>
+              <a:rPr lang="ru-RU" dirty="0" smtClean="0"/>
+              <a:t>Сторона 5</a:t>
+            </a:r>
+            <a:endParaRPr lang="ru-RU" dirty="0"/>
+          </a:p>
+        </p:txBody>
+      </p:sp>
+      <p:cxnSp>
+        <p:nvCxnSpPr>
+          <p:cNvPr id="11" name="Прямая со стрелкой 10"/>
+          <p:cNvCxnSpPr/>
+          <p:nvPr/>
+        </p:nvCxnSpPr>
+        <p:spPr>
+          <a:xfrm rot="10800000">
+            <a:off x="4357686" y="3071810"/>
+            <a:ext cx="1857388" cy="571504"/>
+          </a:xfrm>
+          <a:prstGeom prst="straightConnector1">
+            <a:avLst/>
+          </a:prstGeom>
+          <a:ln>
+            <a:tailEnd type="arrow"/>
+          </a:ln>
+        </p:spPr>
+        <p:style>
+          <a:lnRef idx="1">
+            <a:schemeClr val="accent1"/>
+          </a:lnRef>
+          <a:fillRef idx="0">
+            <a:schemeClr val="accent1"/>
+          </a:fillRef>
+          <a:effectRef idx="0">
+            <a:schemeClr val="accent1"/>
+          </a:effectRef>
+          <a:fontRef idx="minor">
+            <a:schemeClr val="tx1"/>
+          </a:fontRef>
+        </p:style>
+      </p:cxnSp>
+      <p:cxnSp>
+        <p:nvCxnSpPr>
+          <p:cNvPr id="13" name="Прямая со стрелкой 12"/>
+          <p:cNvCxnSpPr>
+            <a:stCxn id="8" idx="1"/>
+          </p:cNvCxnSpPr>
+          <p:nvPr/>
+        </p:nvCxnSpPr>
+        <p:spPr>
+          <a:xfrm rot="10800000" flipV="1">
+            <a:off x="4143372" y="470394"/>
+            <a:ext cx="642942" cy="1315532"/>
+          </a:xfrm>
+          <a:prstGeom prst="straightConnector1">
+            <a:avLst/>
+          </a:prstGeom>
+          <a:ln>
+            <a:tailEnd type="arrow"/>
+          </a:ln>
+        </p:spPr>
+        <p:style>
+          <a:lnRef idx="1">
+            <a:schemeClr val="accent1"/>
+          </a:lnRef>
+          <a:fillRef idx="0">
+            <a:schemeClr val="accent1"/>
+          </a:fillRef>
+          <a:effectRef idx="0">
+            <a:schemeClr val="accent1"/>
+          </a:effectRef>
+          <a:fontRef idx="minor">
+            <a:schemeClr val="tx1"/>
+          </a:fontRef>
+        </p:style>
+      </p:cxnSp>
+    </p:spTree>
+  </p:cSld>
+  <p:clrMapOvr>
+    <a:masterClrMapping/>
+  </p:clrMapOvr>
+</p:sld>
+</file>
+
+<file path=ppt/slides/slide3.xml><?xml version="1.0" encoding="utf-8"?>
+<p:sld xmlns:a="http://schemas.openxmlformats.org/drawingml/2006/main" xmlns:r="http://schemas.openxmlformats.org/officeDocument/2006/relationships" xmlns:p="http://schemas.openxmlformats.org/presentationml/2006/main">
+  <p:cSld>
+    <p:spTree>
+      <p:nvGrpSpPr>
+        <p:cNvPr id="1" name=""/>
+        <p:cNvGrpSpPr/>
+        <p:nvPr/>
+      </p:nvGrpSpPr>
+      <p:grpSpPr>
+        <a:xfrm>
+          <a:off x="0" y="0"/>
+          <a:ext cx="0" cy="0"/>
+          <a:chOff x="0" y="0"/>
+          <a:chExt cx="0" cy="0"/>
+        </a:xfrm>
+      </p:grpSpPr>
+      <p:sp>
+        <p:nvSpPr>
+          <p:cNvPr id="4" name="Прямоугольник 3"/>
+          <p:cNvSpPr/>
+          <p:nvPr/>
+        </p:nvSpPr>
+        <p:spPr>
+          <a:xfrm>
+            <a:off x="1214414" y="714356"/>
+            <a:ext cx="500066" cy="428628"/>
+          </a:xfrm>
+          <a:prstGeom prst="rect">
+            <a:avLst/>
+          </a:prstGeom>
+          <a:solidFill>
+            <a:srgbClr val="92D050"/>
+          </a:solidFill>
+        </p:spPr>
+        <p:style>
+          <a:lnRef idx="2">
+            <a:schemeClr val="accent1">
+              <a:shade val="50000"/>
+            </a:schemeClr>
+          </a:lnRef>
+          <a:fillRef idx="1">
+            <a:schemeClr val="accent1"/>
+          </a:fillRef>
+          <a:effectRef idx="0">
+            <a:schemeClr val="accent1"/>
+          </a:effectRef>
+          <a:fontRef idx="minor">
+            <a:schemeClr val="lt1"/>
+          </a:fontRef>
+        </p:style>
+        <p:txBody>
+          <a:bodyPr rtlCol="0" anchor="ctr"/>
+          <a:lstStyle/>
+          <a:p>
+            <a:pPr algn="ctr"/>
+            <a:endParaRPr lang="ru-RU"/>
+          </a:p>
+        </p:txBody>
+      </p:sp>
+      <p:sp>
+        <p:nvSpPr>
+          <p:cNvPr id="5" name="Прямоугольник 4"/>
+          <p:cNvSpPr/>
+          <p:nvPr/>
+        </p:nvSpPr>
+        <p:spPr>
+          <a:xfrm>
+            <a:off x="1214414" y="1142984"/>
+            <a:ext cx="500066" cy="428628"/>
+          </a:xfrm>
+          <a:prstGeom prst="rect">
+            <a:avLst/>
+          </a:prstGeom>
+          <a:solidFill>
+            <a:srgbClr val="92D050"/>
+          </a:solidFill>
+        </p:spPr>
+        <p:style>
+          <a:lnRef idx="2">
+            <a:schemeClr val="accent1">
+              <a:shade val="50000"/>
+            </a:schemeClr>
+          </a:lnRef>
+          <a:fillRef idx="1">
+            <a:schemeClr val="accent1"/>
+          </a:fillRef>
+          <a:effectRef idx="0">
+            <a:schemeClr val="accent1"/>
+          </a:effectRef>
+          <a:fontRef idx="minor">
+            <a:schemeClr val="lt1"/>
+          </a:fontRef>
+        </p:style>
+        <p:txBody>
+          <a:bodyPr rtlCol="0" anchor="ctr"/>
+          <a:lstStyle/>
+          <a:p>
+            <a:pPr algn="ctr"/>
+            <a:endParaRPr lang="ru-RU"/>
+          </a:p>
+        </p:txBody>
+      </p:sp>
+      <p:sp>
+        <p:nvSpPr>
+          <p:cNvPr id="6" name="Прямоугольник 5"/>
+          <p:cNvSpPr/>
+          <p:nvPr/>
+        </p:nvSpPr>
+        <p:spPr>
+          <a:xfrm>
+            <a:off x="1214414" y="1571612"/>
+            <a:ext cx="500066" cy="428628"/>
+          </a:xfrm>
+          <a:prstGeom prst="rect">
+            <a:avLst/>
+          </a:prstGeom>
+          <a:solidFill>
+            <a:srgbClr val="92D050"/>
+          </a:solidFill>
+        </p:spPr>
+        <p:style>
+          <a:lnRef idx="2">
+            <a:schemeClr val="accent1">
+              <a:shade val="50000"/>
+            </a:schemeClr>
+          </a:lnRef>
+          <a:fillRef idx="1">
+            <a:schemeClr val="accent1"/>
+          </a:fillRef>
+          <a:effectRef idx="0">
+            <a:schemeClr val="accent1"/>
+          </a:effectRef>
+          <a:fontRef idx="minor">
+            <a:schemeClr val="lt1"/>
+          </a:fontRef>
+        </p:style>
+        <p:txBody>
+          <a:bodyPr rtlCol="0" anchor="ctr"/>
+          <a:lstStyle/>
+          <a:p>
+            <a:pPr algn="ctr"/>
+            <a:endParaRPr lang="ru-RU"/>
+          </a:p>
+        </p:txBody>
+      </p:sp>
+      <p:sp>
+        <p:nvSpPr>
+          <p:cNvPr id="7" name="Прямоугольник 6"/>
+          <p:cNvSpPr/>
+          <p:nvPr/>
+        </p:nvSpPr>
+        <p:spPr>
+          <a:xfrm>
+            <a:off x="1714480" y="714356"/>
+            <a:ext cx="500066" cy="428628"/>
+          </a:xfrm>
+          <a:prstGeom prst="rect">
+            <a:avLst/>
+          </a:prstGeom>
+          <a:solidFill>
+            <a:srgbClr val="92D050"/>
+          </a:solidFill>
+        </p:spPr>
+        <p:style>
+          <a:lnRef idx="2">
+            <a:schemeClr val="accent1">
+              <a:shade val="50000"/>
+            </a:schemeClr>
+          </a:lnRef>
+          <a:fillRef idx="1">
+            <a:schemeClr val="accent1"/>
+          </a:fillRef>
+          <a:effectRef idx="0">
+            <a:schemeClr val="accent1"/>
+          </a:effectRef>
+          <a:fontRef idx="minor">
+            <a:schemeClr val="lt1"/>
+          </a:fontRef>
+        </p:style>
+        <p:txBody>
+          <a:bodyPr rtlCol="0" anchor="ctr"/>
+          <a:lstStyle/>
+          <a:p>
+            <a:pPr algn="ctr"/>
+            <a:endParaRPr lang="ru-RU"/>
+          </a:p>
+        </p:txBody>
+      </p:sp>
+      <p:sp>
+        <p:nvSpPr>
+          <p:cNvPr id="8" name="Прямоугольник 7"/>
+          <p:cNvSpPr/>
+          <p:nvPr/>
+        </p:nvSpPr>
+        <p:spPr>
+          <a:xfrm>
+            <a:off x="1714480" y="1142984"/>
+            <a:ext cx="500066" cy="428628"/>
+          </a:xfrm>
+          <a:prstGeom prst="rect">
+            <a:avLst/>
+          </a:prstGeom>
+          <a:solidFill>
+            <a:srgbClr val="92D050"/>
+          </a:solidFill>
+        </p:spPr>
+        <p:style>
+          <a:lnRef idx="2">
+            <a:schemeClr val="accent1">
+              <a:shade val="50000"/>
+            </a:schemeClr>
+          </a:lnRef>
+          <a:fillRef idx="1">
+            <a:schemeClr val="accent1"/>
+          </a:fillRef>
+          <a:effectRef idx="0">
+            <a:schemeClr val="accent1"/>
+          </a:effectRef>
+          <a:fontRef idx="minor">
+            <a:schemeClr val="lt1"/>
+          </a:fontRef>
+        </p:style>
+        <p:txBody>
+          <a:bodyPr rtlCol="0" anchor="ctr"/>
+          <a:lstStyle/>
+          <a:p>
+            <a:pPr algn="ctr"/>
+            <a:endParaRPr lang="ru-RU"/>
+          </a:p>
+        </p:txBody>
+      </p:sp>
+      <p:sp>
+        <p:nvSpPr>
+          <p:cNvPr id="9" name="Прямоугольник 8"/>
+          <p:cNvSpPr/>
+          <p:nvPr/>
+        </p:nvSpPr>
+        <p:spPr>
+          <a:xfrm>
+            <a:off x="1714480" y="1571612"/>
+            <a:ext cx="500066" cy="428628"/>
+          </a:xfrm>
+          <a:prstGeom prst="rect">
+            <a:avLst/>
+          </a:prstGeom>
+          <a:solidFill>
+            <a:srgbClr val="92D050"/>
+          </a:solidFill>
+        </p:spPr>
+        <p:style>
+          <a:lnRef idx="2">
+            <a:schemeClr val="accent1">
+              <a:shade val="50000"/>
+            </a:schemeClr>
+          </a:lnRef>
+          <a:fillRef idx="1">
+            <a:schemeClr val="accent1"/>
+          </a:fillRef>
+          <a:effectRef idx="0">
+            <a:schemeClr val="accent1"/>
+          </a:effectRef>
+          <a:fontRef idx="minor">
+            <a:schemeClr val="lt1"/>
+          </a:fontRef>
+        </p:style>
+        <p:txBody>
+          <a:bodyPr rtlCol="0" anchor="ctr"/>
+          <a:lstStyle/>
+          <a:p>
+            <a:pPr algn="ctr"/>
+            <a:endParaRPr lang="ru-RU"/>
+          </a:p>
+        </p:txBody>
+      </p:sp>
+      <p:sp>
+        <p:nvSpPr>
+          <p:cNvPr id="10" name="Прямоугольник 9"/>
+          <p:cNvSpPr/>
+          <p:nvPr/>
+        </p:nvSpPr>
+        <p:spPr>
+          <a:xfrm>
+            <a:off x="2214546" y="714356"/>
+            <a:ext cx="500066" cy="428628"/>
+          </a:xfrm>
+          <a:prstGeom prst="rect">
+            <a:avLst/>
+          </a:prstGeom>
+          <a:solidFill>
+            <a:srgbClr val="92D050"/>
+          </a:solidFill>
+        </p:spPr>
+        <p:style>
+          <a:lnRef idx="2">
+            <a:schemeClr val="accent1">
+              <a:shade val="50000"/>
+            </a:schemeClr>
+          </a:lnRef>
+          <a:fillRef idx="1">
+            <a:schemeClr val="accent1"/>
+          </a:fillRef>
+          <a:effectRef idx="0">
+            <a:schemeClr val="accent1"/>
+          </a:effectRef>
+          <a:fontRef idx="minor">
+            <a:schemeClr val="lt1"/>
+          </a:fontRef>
+        </p:style>
+        <p:txBody>
+          <a:bodyPr rtlCol="0" anchor="ctr"/>
+          <a:lstStyle/>
+          <a:p>
+            <a:pPr algn="ctr"/>
+            <a:endParaRPr lang="ru-RU"/>
+          </a:p>
+        </p:txBody>
+      </p:sp>
+      <p:sp>
+        <p:nvSpPr>
+          <p:cNvPr id="11" name="Прямоугольник 10"/>
+          <p:cNvSpPr/>
+          <p:nvPr/>
+        </p:nvSpPr>
+        <p:spPr>
+          <a:xfrm>
+            <a:off x="2214546" y="1142984"/>
+            <a:ext cx="500066" cy="428628"/>
+          </a:xfrm>
+          <a:prstGeom prst="rect">
+            <a:avLst/>
+          </a:prstGeom>
+          <a:solidFill>
+            <a:srgbClr val="92D050"/>
+          </a:solidFill>
+        </p:spPr>
+        <p:style>
+          <a:lnRef idx="2">
+            <a:schemeClr val="accent1">
+              <a:shade val="50000"/>
+            </a:schemeClr>
+          </a:lnRef>
+          <a:fillRef idx="1">
+            <a:schemeClr val="accent1"/>
+          </a:fillRef>
+          <a:effectRef idx="0">
+            <a:schemeClr val="accent1"/>
+          </a:effectRef>
+          <a:fontRef idx="minor">
+            <a:schemeClr val="lt1"/>
+          </a:fontRef>
+        </p:style>
+        <p:txBody>
+          <a:bodyPr rtlCol="0" anchor="ctr"/>
+          <a:lstStyle/>
+          <a:p>
+            <a:pPr algn="ctr"/>
+            <a:endParaRPr lang="ru-RU"/>
+          </a:p>
+        </p:txBody>
+      </p:sp>
+      <p:sp>
+        <p:nvSpPr>
+          <p:cNvPr id="12" name="Прямоугольник 11"/>
+          <p:cNvSpPr/>
+          <p:nvPr/>
+        </p:nvSpPr>
+        <p:spPr>
+          <a:xfrm>
+            <a:off x="2214546" y="1571612"/>
+            <a:ext cx="500066" cy="428628"/>
+          </a:xfrm>
+          <a:prstGeom prst="rect">
+            <a:avLst/>
+          </a:prstGeom>
+          <a:solidFill>
+            <a:srgbClr val="92D050"/>
+          </a:solidFill>
+        </p:spPr>
+        <p:style>
+          <a:lnRef idx="2">
+            <a:schemeClr val="accent1">
+              <a:shade val="50000"/>
+            </a:schemeClr>
+          </a:lnRef>
+          <a:fillRef idx="1">
+            <a:schemeClr val="accent1"/>
+          </a:fillRef>
+          <a:effectRef idx="0">
+            <a:schemeClr val="accent1"/>
+          </a:effectRef>
+          <a:fontRef idx="minor">
+            <a:schemeClr val="lt1"/>
+          </a:fontRef>
+        </p:style>
+        <p:txBody>
+          <a:bodyPr rtlCol="0" anchor="ctr"/>
+          <a:lstStyle/>
+          <a:p>
+            <a:pPr algn="ctr"/>
+            <a:endParaRPr lang="ru-RU"/>
+          </a:p>
+        </p:txBody>
+      </p:sp>
+      <p:cxnSp>
+        <p:nvCxnSpPr>
+          <p:cNvPr id="14" name="Прямая со стрелкой 13"/>
+          <p:cNvCxnSpPr>
+            <a:endCxn id="6" idx="1"/>
+          </p:cNvCxnSpPr>
+          <p:nvPr/>
+        </p:nvCxnSpPr>
+        <p:spPr>
+          <a:xfrm rot="5400000" flipH="1" flipV="1">
+            <a:off x="428596" y="2000241"/>
+            <a:ext cx="1000132" cy="571503"/>
+          </a:xfrm>
+          <a:prstGeom prst="straightConnector1">
+            <a:avLst/>
+          </a:prstGeom>
+          <a:ln>
+            <a:tailEnd type="arrow"/>
+          </a:ln>
+        </p:spPr>
+        <p:style>
+          <a:lnRef idx="1">
+            <a:schemeClr val="accent1"/>
+          </a:lnRef>
+          <a:fillRef idx="0">
+            <a:schemeClr val="accent1"/>
+          </a:fillRef>
+          <a:effectRef idx="0">
+            <a:schemeClr val="accent1"/>
+          </a:effectRef>
+          <a:fontRef idx="minor">
+            <a:schemeClr val="tx1"/>
+          </a:fontRef>
+        </p:style>
+      </p:cxnSp>
+      <p:cxnSp>
+        <p:nvCxnSpPr>
+          <p:cNvPr id="17" name="Прямая со стрелкой 16"/>
+          <p:cNvCxnSpPr>
+            <a:endCxn id="5" idx="1"/>
+          </p:cNvCxnSpPr>
+          <p:nvPr/>
+        </p:nvCxnSpPr>
+        <p:spPr>
+          <a:xfrm rot="5400000" flipH="1" flipV="1">
+            <a:off x="142844" y="1714488"/>
+            <a:ext cx="1428760" cy="714380"/>
+          </a:xfrm>
+          <a:prstGeom prst="straightConnector1">
+            <a:avLst/>
+          </a:prstGeom>
+          <a:ln>
+            <a:tailEnd type="arrow"/>
+          </a:ln>
+        </p:spPr>
+        <p:style>
+          <a:lnRef idx="1">
+            <a:schemeClr val="accent1"/>
+          </a:lnRef>
+          <a:fillRef idx="0">
+            <a:schemeClr val="accent1"/>
+          </a:fillRef>
+          <a:effectRef idx="0">
+            <a:schemeClr val="accent1"/>
+          </a:effectRef>
+          <a:fontRef idx="minor">
+            <a:schemeClr val="tx1"/>
+          </a:fontRef>
+        </p:style>
+      </p:cxnSp>
+      <p:cxnSp>
+        <p:nvCxnSpPr>
+          <p:cNvPr id="19" name="Прямая со стрелкой 18"/>
+          <p:cNvCxnSpPr>
+            <a:endCxn id="4" idx="1"/>
+          </p:cNvCxnSpPr>
+          <p:nvPr/>
+        </p:nvCxnSpPr>
+        <p:spPr>
+          <a:xfrm rot="5400000" flipH="1" flipV="1">
+            <a:off x="-142908" y="1428736"/>
+            <a:ext cx="1857388" cy="857256"/>
+          </a:xfrm>
+          <a:prstGeom prst="straightConnector1">
+            <a:avLst/>
+          </a:prstGeom>
+          <a:ln>
+            <a:tailEnd type="arrow"/>
+          </a:ln>
+        </p:spPr>
+        <p:style>
+          <a:lnRef idx="1">
+            <a:schemeClr val="accent1"/>
+          </a:lnRef>
+          <a:fillRef idx="0">
+            <a:schemeClr val="accent1"/>
+          </a:fillRef>
+          <a:effectRef idx="0">
+            <a:schemeClr val="accent1"/>
+          </a:effectRef>
+          <a:fontRef idx="minor">
+            <a:schemeClr val="tx1"/>
+          </a:fontRef>
+        </p:style>
+      </p:cxnSp>
+      <p:sp>
+        <p:nvSpPr>
+          <p:cNvPr id="20" name="TextBox 19"/>
+          <p:cNvSpPr txBox="1"/>
+          <p:nvPr/>
+        </p:nvSpPr>
+        <p:spPr>
+          <a:xfrm>
+            <a:off x="142844" y="2857496"/>
+            <a:ext cx="2312428" cy="307777"/>
+          </a:xfrm>
+          <a:prstGeom prst="rect">
+            <a:avLst/>
+          </a:prstGeom>
+          <a:noFill/>
+        </p:spPr>
+        <p:txBody>
+          <a:bodyPr wrap="none" rtlCol="0">
+            <a:spAutoFit/>
+          </a:bodyPr>
+          <a:lstStyle/>
+          <a:p>
+            <a:r>
+              <a:rPr lang="ru-RU" sz="1400" dirty="0" smtClean="0"/>
+              <a:t>Вертикальный первый слой</a:t>
+            </a:r>
+            <a:endParaRPr lang="ru-RU" sz="1400" dirty="0"/>
+          </a:p>
+        </p:txBody>
+      </p:sp>
+      <p:cxnSp>
+        <p:nvCxnSpPr>
+          <p:cNvPr id="22" name="Прямая со стрелкой 21"/>
+          <p:cNvCxnSpPr>
+            <a:endCxn id="6" idx="2"/>
+          </p:cNvCxnSpPr>
+          <p:nvPr/>
+        </p:nvCxnSpPr>
+        <p:spPr>
+          <a:xfrm rot="10800000">
+            <a:off x="1464448" y="2000240"/>
+            <a:ext cx="2107421" cy="642942"/>
+          </a:xfrm>
+          <a:prstGeom prst="straightConnector1">
+            <a:avLst/>
+          </a:prstGeom>
+          <a:ln>
+            <a:tailEnd type="arrow"/>
+          </a:ln>
+        </p:spPr>
+        <p:style>
+          <a:lnRef idx="1">
+            <a:schemeClr val="accent1"/>
+          </a:lnRef>
+          <a:fillRef idx="0">
+            <a:schemeClr val="accent1"/>
+          </a:fillRef>
+          <a:effectRef idx="0">
+            <a:schemeClr val="accent1"/>
+          </a:effectRef>
+          <a:fontRef idx="minor">
+            <a:schemeClr val="tx1"/>
+          </a:fontRef>
+        </p:style>
+      </p:cxnSp>
+      <p:cxnSp>
+        <p:nvCxnSpPr>
+          <p:cNvPr id="24" name="Прямая со стрелкой 23"/>
+          <p:cNvCxnSpPr/>
+          <p:nvPr/>
+        </p:nvCxnSpPr>
+        <p:spPr>
+          <a:xfrm rot="10800000">
+            <a:off x="2071670" y="2000240"/>
+            <a:ext cx="1643074" cy="500066"/>
+          </a:xfrm>
+          <a:prstGeom prst="straightConnector1">
+            <a:avLst/>
+          </a:prstGeom>
+          <a:ln>
+            <a:tailEnd type="arrow"/>
+          </a:ln>
+        </p:spPr>
+        <p:style>
+          <a:lnRef idx="1">
+            <a:schemeClr val="accent1"/>
+          </a:lnRef>
+          <a:fillRef idx="0">
+            <a:schemeClr val="accent1"/>
+          </a:fillRef>
+          <a:effectRef idx="0">
+            <a:schemeClr val="accent1"/>
+          </a:effectRef>
+          <a:fontRef idx="minor">
+            <a:schemeClr val="tx1"/>
+          </a:fontRef>
+        </p:style>
+      </p:cxnSp>
+      <p:cxnSp>
+        <p:nvCxnSpPr>
+          <p:cNvPr id="26" name="Прямая со стрелкой 25"/>
+          <p:cNvCxnSpPr/>
+          <p:nvPr/>
+        </p:nvCxnSpPr>
+        <p:spPr>
+          <a:xfrm rot="10800000">
+            <a:off x="2643174" y="2000240"/>
+            <a:ext cx="1214446" cy="428628"/>
+          </a:xfrm>
+          <a:prstGeom prst="straightConnector1">
+            <a:avLst/>
+          </a:prstGeom>
+          <a:ln>
+            <a:tailEnd type="arrow"/>
+          </a:ln>
+        </p:spPr>
+        <p:style>
+          <a:lnRef idx="1">
+            <a:schemeClr val="accent1"/>
+          </a:lnRef>
+          <a:fillRef idx="0">
+            <a:schemeClr val="accent1"/>
+          </a:fillRef>
+          <a:effectRef idx="0">
+            <a:schemeClr val="accent1"/>
+          </a:effectRef>
+          <a:fontRef idx="minor">
+            <a:schemeClr val="tx1"/>
+          </a:fontRef>
+        </p:style>
+      </p:cxnSp>
+      <p:sp>
+        <p:nvSpPr>
+          <p:cNvPr id="27" name="TextBox 26"/>
+          <p:cNvSpPr txBox="1"/>
+          <p:nvPr/>
+        </p:nvSpPr>
+        <p:spPr>
+          <a:xfrm>
+            <a:off x="3643306" y="2571744"/>
+            <a:ext cx="2462405" cy="307777"/>
+          </a:xfrm>
+          <a:prstGeom prst="rect">
+            <a:avLst/>
+          </a:prstGeom>
+          <a:noFill/>
+        </p:spPr>
+        <p:txBody>
+          <a:bodyPr wrap="none" rtlCol="0">
+            <a:spAutoFit/>
+          </a:bodyPr>
+          <a:lstStyle/>
+          <a:p>
+            <a:r>
+              <a:rPr lang="ru-RU" sz="1400" dirty="0" smtClean="0"/>
+              <a:t>Горизонтальный первый слой</a:t>
+            </a:r>
+            <a:endParaRPr lang="ru-RU" sz="1400" dirty="0"/>
+          </a:p>
+        </p:txBody>
+      </p:sp>
     </p:spTree>
   </p:cSld>
   <p:clrMapOvr>

--- a/Разбор.pptx
+++ b/Разбор.pptx
@@ -5200,7 +5200,7 @@
         <p:spPr>
           <a:xfrm rot="10800000">
             <a:off x="2071670" y="2000240"/>
-            <a:ext cx="1643074" cy="500066"/>
+            <a:ext cx="1714512" cy="571504"/>
           </a:xfrm>
           <a:prstGeom prst="straightConnector1">
             <a:avLst/>
@@ -5233,7 +5233,7 @@
         <p:spPr>
           <a:xfrm rot="10800000">
             <a:off x="2643174" y="2000240"/>
-            <a:ext cx="1214446" cy="428628"/>
+            <a:ext cx="1357322" cy="571504"/>
           </a:xfrm>
           <a:prstGeom prst="straightConnector1">
             <a:avLst/>
@@ -5287,6 +5287,558 @@
           </a:p>
         </p:txBody>
       </p:sp>
+      <p:sp>
+        <p:nvSpPr>
+          <p:cNvPr id="21" name="Прямоугольник 20"/>
+          <p:cNvSpPr/>
+          <p:nvPr/>
+        </p:nvSpPr>
+        <p:spPr>
+          <a:xfrm>
+            <a:off x="4214810" y="500042"/>
+            <a:ext cx="500066" cy="428628"/>
+          </a:xfrm>
+          <a:prstGeom prst="rect">
+            <a:avLst/>
+          </a:prstGeom>
+          <a:solidFill>
+            <a:srgbClr val="92D050"/>
+          </a:solidFill>
+        </p:spPr>
+        <p:style>
+          <a:lnRef idx="2">
+            <a:schemeClr val="accent1">
+              <a:shade val="50000"/>
+            </a:schemeClr>
+          </a:lnRef>
+          <a:fillRef idx="1">
+            <a:schemeClr val="accent1"/>
+          </a:fillRef>
+          <a:effectRef idx="0">
+            <a:schemeClr val="accent1"/>
+          </a:effectRef>
+          <a:fontRef idx="minor">
+            <a:schemeClr val="lt1"/>
+          </a:fontRef>
+        </p:style>
+        <p:txBody>
+          <a:bodyPr rtlCol="0" anchor="ctr"/>
+          <a:lstStyle/>
+          <a:p>
+            <a:pPr algn="ctr"/>
+            <a:r>
+              <a:rPr lang="ru-RU" sz="1200" dirty="0" smtClean="0"/>
+              <a:t>5</a:t>
+            </a:r>
+            <a:endParaRPr lang="ru-RU" sz="1200" dirty="0"/>
+          </a:p>
+        </p:txBody>
+      </p:sp>
+      <p:sp>
+        <p:nvSpPr>
+          <p:cNvPr id="23" name="Прямоугольник 22"/>
+          <p:cNvSpPr/>
+          <p:nvPr/>
+        </p:nvSpPr>
+        <p:spPr>
+          <a:xfrm>
+            <a:off x="4214810" y="928670"/>
+            <a:ext cx="500066" cy="428628"/>
+          </a:xfrm>
+          <a:prstGeom prst="rect">
+            <a:avLst/>
+          </a:prstGeom>
+          <a:solidFill>
+            <a:srgbClr val="92D050"/>
+          </a:solidFill>
+        </p:spPr>
+        <p:style>
+          <a:lnRef idx="2">
+            <a:schemeClr val="accent1">
+              <a:shade val="50000"/>
+            </a:schemeClr>
+          </a:lnRef>
+          <a:fillRef idx="1">
+            <a:schemeClr val="accent1"/>
+          </a:fillRef>
+          <a:effectRef idx="0">
+            <a:schemeClr val="accent1"/>
+          </a:effectRef>
+          <a:fontRef idx="minor">
+            <a:schemeClr val="lt1"/>
+          </a:fontRef>
+        </p:style>
+        <p:txBody>
+          <a:bodyPr rtlCol="0" anchor="ctr"/>
+          <a:lstStyle/>
+          <a:p>
+            <a:pPr algn="ctr"/>
+            <a:r>
+              <a:rPr lang="ru-RU" sz="1200" dirty="0" smtClean="0"/>
+              <a:t>5</a:t>
+            </a:r>
+            <a:endParaRPr lang="ru-RU" sz="1200" dirty="0"/>
+          </a:p>
+        </p:txBody>
+      </p:sp>
+      <p:sp>
+        <p:nvSpPr>
+          <p:cNvPr id="25" name="Прямоугольник 24"/>
+          <p:cNvSpPr/>
+          <p:nvPr/>
+        </p:nvSpPr>
+        <p:spPr>
+          <a:xfrm>
+            <a:off x="4214810" y="1357298"/>
+            <a:ext cx="500066" cy="428628"/>
+          </a:xfrm>
+          <a:prstGeom prst="rect">
+            <a:avLst/>
+          </a:prstGeom>
+          <a:solidFill>
+            <a:srgbClr val="92D050"/>
+          </a:solidFill>
+        </p:spPr>
+        <p:style>
+          <a:lnRef idx="2">
+            <a:schemeClr val="accent1">
+              <a:shade val="50000"/>
+            </a:schemeClr>
+          </a:lnRef>
+          <a:fillRef idx="1">
+            <a:schemeClr val="accent1"/>
+          </a:fillRef>
+          <a:effectRef idx="0">
+            <a:schemeClr val="accent1"/>
+          </a:effectRef>
+          <a:fontRef idx="minor">
+            <a:schemeClr val="lt1"/>
+          </a:fontRef>
+        </p:style>
+        <p:txBody>
+          <a:bodyPr rtlCol="0" anchor="ctr"/>
+          <a:lstStyle/>
+          <a:p>
+            <a:pPr algn="ctr"/>
+            <a:r>
+              <a:rPr lang="ru-RU" sz="1200" dirty="0" smtClean="0"/>
+              <a:t>5</a:t>
+            </a:r>
+            <a:r>
+              <a:rPr lang="en-US" sz="1200" dirty="0" smtClean="0"/>
+              <a:t>[0]</a:t>
+            </a:r>
+            <a:endParaRPr lang="ru-RU" sz="1200" dirty="0"/>
+          </a:p>
+        </p:txBody>
+      </p:sp>
+      <p:sp>
+        <p:nvSpPr>
+          <p:cNvPr id="28" name="Прямоугольник 27"/>
+          <p:cNvSpPr/>
+          <p:nvPr/>
+        </p:nvSpPr>
+        <p:spPr>
+          <a:xfrm>
+            <a:off x="4714876" y="500042"/>
+            <a:ext cx="500066" cy="428628"/>
+          </a:xfrm>
+          <a:prstGeom prst="rect">
+            <a:avLst/>
+          </a:prstGeom>
+          <a:solidFill>
+            <a:srgbClr val="92D050"/>
+          </a:solidFill>
+        </p:spPr>
+        <p:style>
+          <a:lnRef idx="2">
+            <a:schemeClr val="accent1">
+              <a:shade val="50000"/>
+            </a:schemeClr>
+          </a:lnRef>
+          <a:fillRef idx="1">
+            <a:schemeClr val="accent1"/>
+          </a:fillRef>
+          <a:effectRef idx="0">
+            <a:schemeClr val="accent1"/>
+          </a:effectRef>
+          <a:fontRef idx="minor">
+            <a:schemeClr val="lt1"/>
+          </a:fontRef>
+        </p:style>
+        <p:txBody>
+          <a:bodyPr rtlCol="0" anchor="ctr"/>
+          <a:lstStyle/>
+          <a:p>
+            <a:pPr algn="ctr"/>
+            <a:r>
+              <a:rPr lang="ru-RU" sz="1200" dirty="0" smtClean="0"/>
+              <a:t>5</a:t>
+            </a:r>
+            <a:endParaRPr lang="ru-RU" sz="1200" dirty="0"/>
+          </a:p>
+        </p:txBody>
+      </p:sp>
+      <p:sp>
+        <p:nvSpPr>
+          <p:cNvPr id="29" name="Прямоугольник 28"/>
+          <p:cNvSpPr/>
+          <p:nvPr/>
+        </p:nvSpPr>
+        <p:spPr>
+          <a:xfrm>
+            <a:off x="4714876" y="928670"/>
+            <a:ext cx="500066" cy="428628"/>
+          </a:xfrm>
+          <a:prstGeom prst="rect">
+            <a:avLst/>
+          </a:prstGeom>
+          <a:solidFill>
+            <a:srgbClr val="92D050"/>
+          </a:solidFill>
+        </p:spPr>
+        <p:style>
+          <a:lnRef idx="2">
+            <a:schemeClr val="accent1">
+              <a:shade val="50000"/>
+            </a:schemeClr>
+          </a:lnRef>
+          <a:fillRef idx="1">
+            <a:schemeClr val="accent1"/>
+          </a:fillRef>
+          <a:effectRef idx="0">
+            <a:schemeClr val="accent1"/>
+          </a:effectRef>
+          <a:fontRef idx="minor">
+            <a:schemeClr val="lt1"/>
+          </a:fontRef>
+        </p:style>
+        <p:txBody>
+          <a:bodyPr rtlCol="0" anchor="ctr"/>
+          <a:lstStyle/>
+          <a:p>
+            <a:pPr algn="ctr"/>
+            <a:r>
+              <a:rPr lang="ru-RU" sz="1200" dirty="0" smtClean="0"/>
+              <a:t>5</a:t>
+            </a:r>
+            <a:endParaRPr lang="ru-RU" sz="1200" dirty="0"/>
+          </a:p>
+        </p:txBody>
+      </p:sp>
+      <p:sp>
+        <p:nvSpPr>
+          <p:cNvPr id="30" name="Прямоугольник 29"/>
+          <p:cNvSpPr/>
+          <p:nvPr/>
+        </p:nvSpPr>
+        <p:spPr>
+          <a:xfrm>
+            <a:off x="4714876" y="1357298"/>
+            <a:ext cx="500066" cy="428628"/>
+          </a:xfrm>
+          <a:prstGeom prst="rect">
+            <a:avLst/>
+          </a:prstGeom>
+          <a:solidFill>
+            <a:srgbClr val="92D050"/>
+          </a:solidFill>
+        </p:spPr>
+        <p:style>
+          <a:lnRef idx="2">
+            <a:schemeClr val="accent1">
+              <a:shade val="50000"/>
+            </a:schemeClr>
+          </a:lnRef>
+          <a:fillRef idx="1">
+            <a:schemeClr val="accent1"/>
+          </a:fillRef>
+          <a:effectRef idx="0">
+            <a:schemeClr val="accent1"/>
+          </a:effectRef>
+          <a:fontRef idx="minor">
+            <a:schemeClr val="lt1"/>
+          </a:fontRef>
+        </p:style>
+        <p:txBody>
+          <a:bodyPr rtlCol="0" anchor="ctr"/>
+          <a:lstStyle/>
+          <a:p>
+            <a:pPr algn="ctr"/>
+            <a:r>
+              <a:rPr lang="ru-RU" sz="1200" dirty="0" smtClean="0"/>
+              <a:t>5</a:t>
+            </a:r>
+            <a:r>
+              <a:rPr lang="en-US" sz="1200" dirty="0" smtClean="0"/>
+              <a:t>[1]</a:t>
+            </a:r>
+            <a:endParaRPr lang="ru-RU" sz="1200" dirty="0"/>
+          </a:p>
+        </p:txBody>
+      </p:sp>
+      <p:sp>
+        <p:nvSpPr>
+          <p:cNvPr id="31" name="Прямоугольник 30"/>
+          <p:cNvSpPr/>
+          <p:nvPr/>
+        </p:nvSpPr>
+        <p:spPr>
+          <a:xfrm>
+            <a:off x="5214942" y="500042"/>
+            <a:ext cx="500066" cy="428628"/>
+          </a:xfrm>
+          <a:prstGeom prst="rect">
+            <a:avLst/>
+          </a:prstGeom>
+          <a:solidFill>
+            <a:srgbClr val="92D050"/>
+          </a:solidFill>
+        </p:spPr>
+        <p:style>
+          <a:lnRef idx="2">
+            <a:schemeClr val="accent1">
+              <a:shade val="50000"/>
+            </a:schemeClr>
+          </a:lnRef>
+          <a:fillRef idx="1">
+            <a:schemeClr val="accent1"/>
+          </a:fillRef>
+          <a:effectRef idx="0">
+            <a:schemeClr val="accent1"/>
+          </a:effectRef>
+          <a:fontRef idx="minor">
+            <a:schemeClr val="lt1"/>
+          </a:fontRef>
+        </p:style>
+        <p:txBody>
+          <a:bodyPr rtlCol="0" anchor="ctr"/>
+          <a:lstStyle/>
+          <a:p>
+            <a:pPr algn="ctr"/>
+            <a:r>
+              <a:rPr lang="ru-RU" sz="1200" dirty="0" smtClean="0"/>
+              <a:t>5</a:t>
+            </a:r>
+            <a:endParaRPr lang="ru-RU" sz="1200" dirty="0"/>
+          </a:p>
+        </p:txBody>
+      </p:sp>
+      <p:sp>
+        <p:nvSpPr>
+          <p:cNvPr id="32" name="Прямоугольник 31"/>
+          <p:cNvSpPr/>
+          <p:nvPr/>
+        </p:nvSpPr>
+        <p:spPr>
+          <a:xfrm>
+            <a:off x="5214942" y="928670"/>
+            <a:ext cx="500066" cy="428628"/>
+          </a:xfrm>
+          <a:prstGeom prst="rect">
+            <a:avLst/>
+          </a:prstGeom>
+          <a:solidFill>
+            <a:srgbClr val="92D050"/>
+          </a:solidFill>
+        </p:spPr>
+        <p:style>
+          <a:lnRef idx="2">
+            <a:schemeClr val="accent1">
+              <a:shade val="50000"/>
+            </a:schemeClr>
+          </a:lnRef>
+          <a:fillRef idx="1">
+            <a:schemeClr val="accent1"/>
+          </a:fillRef>
+          <a:effectRef idx="0">
+            <a:schemeClr val="accent1"/>
+          </a:effectRef>
+          <a:fontRef idx="minor">
+            <a:schemeClr val="lt1"/>
+          </a:fontRef>
+        </p:style>
+        <p:txBody>
+          <a:bodyPr rtlCol="0" anchor="ctr"/>
+          <a:lstStyle/>
+          <a:p>
+            <a:pPr algn="ctr"/>
+            <a:r>
+              <a:rPr lang="ru-RU" sz="1200" dirty="0" smtClean="0"/>
+              <a:t>5</a:t>
+            </a:r>
+            <a:endParaRPr lang="ru-RU" sz="1200" dirty="0"/>
+          </a:p>
+        </p:txBody>
+      </p:sp>
+      <p:sp>
+        <p:nvSpPr>
+          <p:cNvPr id="33" name="Прямоугольник 32"/>
+          <p:cNvSpPr/>
+          <p:nvPr/>
+        </p:nvSpPr>
+        <p:spPr>
+          <a:xfrm>
+            <a:off x="5214942" y="1357298"/>
+            <a:ext cx="500066" cy="428628"/>
+          </a:xfrm>
+          <a:prstGeom prst="rect">
+            <a:avLst/>
+          </a:prstGeom>
+          <a:solidFill>
+            <a:srgbClr val="92D050"/>
+          </a:solidFill>
+        </p:spPr>
+        <p:style>
+          <a:lnRef idx="2">
+            <a:schemeClr val="accent1">
+              <a:shade val="50000"/>
+            </a:schemeClr>
+          </a:lnRef>
+          <a:fillRef idx="1">
+            <a:schemeClr val="accent1"/>
+          </a:fillRef>
+          <a:effectRef idx="0">
+            <a:schemeClr val="accent1"/>
+          </a:effectRef>
+          <a:fontRef idx="minor">
+            <a:schemeClr val="lt1"/>
+          </a:fontRef>
+        </p:style>
+        <p:txBody>
+          <a:bodyPr rtlCol="0" anchor="ctr"/>
+          <a:lstStyle/>
+          <a:p>
+            <a:pPr algn="ctr"/>
+            <a:r>
+              <a:rPr lang="ru-RU" sz="1200" dirty="0" smtClean="0"/>
+              <a:t>5</a:t>
+            </a:r>
+            <a:r>
+              <a:rPr lang="en-US" sz="1200" dirty="0" smtClean="0"/>
+              <a:t>[2]</a:t>
+            </a:r>
+            <a:endParaRPr lang="ru-RU" sz="1200" dirty="0"/>
+          </a:p>
+        </p:txBody>
+      </p:sp>
+      <p:cxnSp>
+        <p:nvCxnSpPr>
+          <p:cNvPr id="37" name="Скругленная соединительная линия 36"/>
+          <p:cNvCxnSpPr>
+            <a:stCxn id="25" idx="2"/>
+            <a:endCxn id="25" idx="1"/>
+          </p:cNvCxnSpPr>
+          <p:nvPr/>
+        </p:nvCxnSpPr>
+        <p:spPr>
+          <a:xfrm rot="5400000" flipH="1">
+            <a:off x="4232670" y="1553753"/>
+            <a:ext cx="214314" cy="250033"/>
+          </a:xfrm>
+          <a:prstGeom prst="curvedConnector4">
+            <a:avLst>
+              <a:gd name="adj1" fmla="val -106666"/>
+              <a:gd name="adj2" fmla="val 191428"/>
+            </a:avLst>
+          </a:prstGeom>
+          <a:ln>
+            <a:tailEnd type="arrow"/>
+          </a:ln>
+        </p:spPr>
+        <p:style>
+          <a:lnRef idx="1">
+            <a:schemeClr val="accent1"/>
+          </a:lnRef>
+          <a:fillRef idx="0">
+            <a:schemeClr val="accent1"/>
+          </a:fillRef>
+          <a:effectRef idx="0">
+            <a:schemeClr val="accent1"/>
+          </a:effectRef>
+          <a:fontRef idx="minor">
+            <a:schemeClr val="tx1"/>
+          </a:fontRef>
+        </p:style>
+      </p:cxnSp>
+      <p:cxnSp>
+        <p:nvCxnSpPr>
+          <p:cNvPr id="43" name="Скругленная соединительная линия 42"/>
+          <p:cNvCxnSpPr>
+            <a:stCxn id="30" idx="2"/>
+            <a:endCxn id="23" idx="1"/>
+          </p:cNvCxnSpPr>
+          <p:nvPr/>
+        </p:nvCxnSpPr>
+        <p:spPr>
+          <a:xfrm rot="5400000" flipH="1">
+            <a:off x="4268389" y="1089406"/>
+            <a:ext cx="642942" cy="750099"/>
+          </a:xfrm>
+          <a:prstGeom prst="curvedConnector4">
+            <a:avLst>
+              <a:gd name="adj1" fmla="val -55076"/>
+              <a:gd name="adj2" fmla="val 146013"/>
+            </a:avLst>
+          </a:prstGeom>
+          <a:ln>
+            <a:tailEnd type="arrow"/>
+          </a:ln>
+        </p:spPr>
+        <p:style>
+          <a:lnRef idx="1">
+            <a:schemeClr val="accent1"/>
+          </a:lnRef>
+          <a:fillRef idx="0">
+            <a:schemeClr val="accent1"/>
+          </a:fillRef>
+          <a:effectRef idx="0">
+            <a:schemeClr val="accent1"/>
+          </a:effectRef>
+          <a:fontRef idx="minor">
+            <a:schemeClr val="tx1"/>
+          </a:fontRef>
+        </p:style>
+      </p:cxnSp>
+      <p:cxnSp>
+        <p:nvCxnSpPr>
+          <p:cNvPr id="60" name="Скругленная соединительная линия 59"/>
+          <p:cNvCxnSpPr>
+            <a:stCxn id="33" idx="2"/>
+            <a:endCxn id="21" idx="1"/>
+          </p:cNvCxnSpPr>
+          <p:nvPr/>
+        </p:nvCxnSpPr>
+        <p:spPr>
+          <a:xfrm rot="5400000" flipH="1">
+            <a:off x="4304108" y="625059"/>
+            <a:ext cx="1071570" cy="1250165"/>
+          </a:xfrm>
+          <a:prstGeom prst="curvedConnector4">
+            <a:avLst>
+              <a:gd name="adj1" fmla="val -45595"/>
+              <a:gd name="adj2" fmla="val 141233"/>
+            </a:avLst>
+          </a:prstGeom>
+          <a:ln>
+            <a:tailEnd type="arrow"/>
+          </a:ln>
+        </p:spPr>
+        <p:style>
+          <a:lnRef idx="1">
+            <a:schemeClr val="accent1"/>
+          </a:lnRef>
+          <a:fillRef idx="0">
+            <a:schemeClr val="accent1"/>
+          </a:fillRef>
+          <a:effectRef idx="0">
+            <a:schemeClr val="accent1"/>
+          </a:effectRef>
+          <a:fontRef idx="minor">
+            <a:schemeClr val="tx1"/>
+          </a:fontRef>
+        </p:style>
+      </p:cxnSp>
     </p:spTree>
   </p:cSld>
   <p:clrMapOvr>
